--- a/documentation/Relation extraction using semantic web technologies.pptx
+++ b/documentation/Relation extraction using semantic web technologies.pptx
@@ -119,6 +119,11 @@
       </a:defRPr>
     </a:lvl9pPr>
   </p:defaultTextStyle>
+  <p:extLst>
+    <p:ext uri="{EFAFB233-063F-42B5-8137-9DF3F51BA10A}">
+      <p15:sldGuideLst xmlns:p15="http://schemas.microsoft.com/office/powerpoint/2012/main"/>
+    </p:ext>
+  </p:extLst>
 </p:presentation>
 </file>
 
@@ -308,7 +313,7 @@
           <a:p>
             <a:fld id="{4AAD347D-5ACD-4C99-B74B-A9C85AD731AF}" type="datetimeFigureOut">
               <a:rPr lang="en-US" dirty="0"/>
-              <a:t>11/29/2015</a:t>
+              <a:t>11/30/2015</a:t>
             </a:fld>
             <a:endParaRPr lang="en-US" dirty="0"/>
           </a:p>
@@ -578,7 +583,7 @@
           <a:p>
             <a:fld id="{4509A250-FF31-4206-8172-F9D3106AACB1}" type="datetimeFigureOut">
               <a:rPr lang="en-US" dirty="0"/>
-              <a:t>11/29/2015</a:t>
+              <a:t>11/30/2015</a:t>
             </a:fld>
             <a:endParaRPr lang="en-US" dirty="0"/>
           </a:p>
@@ -767,7 +772,7 @@
           <a:p>
             <a:fld id="{4509A250-FF31-4206-8172-F9D3106AACB1}" type="datetimeFigureOut">
               <a:rPr lang="en-US" dirty="0"/>
-              <a:t>11/29/2015</a:t>
+              <a:t>11/30/2015</a:t>
             </a:fld>
             <a:endParaRPr lang="en-US" dirty="0"/>
           </a:p>
@@ -1033,7 +1038,7 @@
           <a:p>
             <a:fld id="{4509A250-FF31-4206-8172-F9D3106AACB1}" type="datetimeFigureOut">
               <a:rPr lang="en-US" dirty="0"/>
-              <a:t>11/29/2015</a:t>
+              <a:t>11/30/2015</a:t>
             </a:fld>
             <a:endParaRPr lang="en-US" dirty="0"/>
           </a:p>
@@ -1355,7 +1360,7 @@
           <a:p>
             <a:fld id="{4509A250-FF31-4206-8172-F9D3106AACB1}" type="datetimeFigureOut">
               <a:rPr lang="en-US" dirty="0"/>
-              <a:t>11/29/2015</a:t>
+              <a:t>11/30/2015</a:t>
             </a:fld>
             <a:endParaRPr lang="en-US" dirty="0"/>
           </a:p>
@@ -1969,7 +1974,7 @@
           <a:p>
             <a:fld id="{4509A250-FF31-4206-8172-F9D3106AACB1}" type="datetimeFigureOut">
               <a:rPr lang="en-US" dirty="0"/>
-              <a:t>11/29/2015</a:t>
+              <a:t>11/30/2015</a:t>
             </a:fld>
             <a:endParaRPr lang="en-US" dirty="0"/>
           </a:p>
@@ -2811,7 +2816,7 @@
           <a:p>
             <a:fld id="{4509A250-FF31-4206-8172-F9D3106AACB1}" type="datetimeFigureOut">
               <a:rPr lang="en-US" dirty="0"/>
-              <a:t>11/29/2015</a:t>
+              <a:t>11/30/2015</a:t>
             </a:fld>
             <a:endParaRPr lang="en-US" dirty="0"/>
           </a:p>
@@ -2976,7 +2981,7 @@
           <a:p>
             <a:fld id="{4509A250-FF31-4206-8172-F9D3106AACB1}" type="datetimeFigureOut">
               <a:rPr lang="en-US" dirty="0"/>
-              <a:t>11/29/2015</a:t>
+              <a:t>11/30/2015</a:t>
             </a:fld>
             <a:endParaRPr lang="en-US" dirty="0"/>
           </a:p>
@@ -3151,7 +3156,7 @@
           <a:p>
             <a:fld id="{4509A250-FF31-4206-8172-F9D3106AACB1}" type="datetimeFigureOut">
               <a:rPr lang="en-US" dirty="0"/>
-              <a:t>11/29/2015</a:t>
+              <a:t>11/30/2015</a:t>
             </a:fld>
             <a:endParaRPr lang="en-US" dirty="0"/>
           </a:p>
@@ -3316,7 +3321,7 @@
           <a:p>
             <a:fld id="{9796027F-7875-4030-9381-8BD8C4F21935}" type="datetimeFigureOut">
               <a:rPr lang="en-US" dirty="0"/>
-              <a:t>11/29/2015</a:t>
+              <a:t>11/30/2015</a:t>
             </a:fld>
             <a:endParaRPr lang="en-US" dirty="0"/>
           </a:p>
@@ -3558,7 +3563,7 @@
           <a:p>
             <a:fld id="{9796027F-7875-4030-9381-8BD8C4F21935}" type="datetimeFigureOut">
               <a:rPr lang="en-US" dirty="0"/>
-              <a:t>11/29/2015</a:t>
+              <a:t>11/30/2015</a:t>
             </a:fld>
             <a:endParaRPr lang="en-US" dirty="0"/>
           </a:p>
@@ -3845,7 +3850,7 @@
           <a:p>
             <a:fld id="{9796027F-7875-4030-9381-8BD8C4F21935}" type="datetimeFigureOut">
               <a:rPr lang="en-US" dirty="0"/>
-              <a:t>11/29/2015</a:t>
+              <a:t>11/30/2015</a:t>
             </a:fld>
             <a:endParaRPr lang="en-US" dirty="0"/>
           </a:p>
@@ -4284,7 +4289,7 @@
           <a:p>
             <a:fld id="{9796027F-7875-4030-9381-8BD8C4F21935}" type="datetimeFigureOut">
               <a:rPr lang="en-US" dirty="0"/>
-              <a:t>11/29/2015</a:t>
+              <a:t>11/30/2015</a:t>
             </a:fld>
             <a:endParaRPr lang="en-US" dirty="0"/>
           </a:p>
@@ -4397,7 +4402,7 @@
           <a:p>
             <a:fld id="{4509A250-FF31-4206-8172-F9D3106AACB1}" type="datetimeFigureOut">
               <a:rPr lang="en-US" dirty="0"/>
-              <a:t>11/29/2015</a:t>
+              <a:t>11/30/2015</a:t>
             </a:fld>
             <a:endParaRPr lang="en-US" dirty="0"/>
           </a:p>
@@ -4487,7 +4492,7 @@
           <a:p>
             <a:fld id="{4509A250-FF31-4206-8172-F9D3106AACB1}" type="datetimeFigureOut">
               <a:rPr lang="en-US" dirty="0"/>
-              <a:t>11/29/2015</a:t>
+              <a:t>11/30/2015</a:t>
             </a:fld>
             <a:endParaRPr lang="en-US" dirty="0"/>
           </a:p>
@@ -4761,7 +4766,7 @@
           <a:p>
             <a:fld id="{4509A250-FF31-4206-8172-F9D3106AACB1}" type="datetimeFigureOut">
               <a:rPr lang="en-US" dirty="0"/>
-              <a:t>11/29/2015</a:t>
+              <a:t>11/30/2015</a:t>
             </a:fld>
             <a:endParaRPr lang="en-US" dirty="0"/>
           </a:p>
@@ -5031,7 +5036,7 @@
           <a:p>
             <a:fld id="{4509A250-FF31-4206-8172-F9D3106AACB1}" type="datetimeFigureOut">
               <a:rPr lang="en-US" dirty="0"/>
-              <a:t>11/29/2015</a:t>
+              <a:t>11/30/2015</a:t>
             </a:fld>
             <a:endParaRPr lang="en-US" dirty="0"/>
           </a:p>
@@ -5449,7 +5454,7 @@
           <a:p>
             <a:fld id="{4AAD347D-5ACD-4C99-B74B-A9C85AD731AF}" type="datetimeFigureOut">
               <a:rPr lang="en-US" dirty="0"/>
-              <a:t>11/29/2015</a:t>
+              <a:t>11/30/2015</a:t>
             </a:fld>
             <a:endParaRPr lang="en-US" dirty="0"/>
           </a:p>
@@ -5998,7 +6003,6 @@
               <a:rPr lang="en-US" sz="4400" b="1" dirty="0"/>
               <a:t>Relation extraction using semantic web technologies</a:t>
             </a:r>
-            <a:endParaRPr lang="en-US" sz="4400" b="1" dirty="0"/>
           </a:p>
         </p:txBody>
       </p:sp>
@@ -6132,7 +6136,6 @@
               <a:rPr lang="en-US" b="1" dirty="0"/>
               <a:t>stored as N-triple format </a:t>
             </a:r>
-            <a:endParaRPr lang="en-US" b="1" dirty="0"/>
           </a:p>
         </p:txBody>
       </p:sp>
@@ -6658,7 +6661,15 @@
             <a:pPr lvl="0" algn="just"/>
             <a:r>
               <a:rPr lang="en-US" sz="2800" dirty="0"/>
-              <a:t>Wider range of tools used – Including the use of Jena, Gruff, Protégé, other technologies like </a:t>
+              <a:t>Wider range of tools used – Including the use of Jena, Gruff, </a:t>
+            </a:r>
+            <a:r>
+              <a:rPr lang="en-US" sz="2800" dirty="0" smtClean="0"/>
+              <a:t>Protégé, </a:t>
+            </a:r>
+            <a:r>
+              <a:rPr lang="en-US" sz="2800" dirty="0"/>
+              <a:t>other technologies like </a:t>
             </a:r>
             <a:r>
               <a:rPr lang="en-US" sz="2800" dirty="0" err="1"/>
@@ -6666,7 +6677,19 @@
             </a:r>
             <a:r>
               <a:rPr lang="en-US" sz="2800" dirty="0"/>
-              <a:t>, HTML, CSS, JavaScript, Java, Stanford API were also used for end-to-end integration</a:t>
+              <a:t>, HTML, CSS, JavaScript, Java, Stanford </a:t>
+            </a:r>
+            <a:r>
+              <a:rPr lang="en-US" sz="2800" dirty="0" err="1" smtClean="0"/>
+              <a:t>CoreNLP</a:t>
+            </a:r>
+            <a:r>
+              <a:rPr lang="en-US" sz="2800" dirty="0" smtClean="0"/>
+              <a:t> API </a:t>
+            </a:r>
+            <a:r>
+              <a:rPr lang="en-US" sz="2800" dirty="0"/>
+              <a:t>were also used for end-to-end integration</a:t>
             </a:r>
           </a:p>
           <a:p>
@@ -6764,7 +6787,15 @@
             <a:pPr algn="just"/>
             <a:r>
               <a:rPr lang="en-US" sz="2400" dirty="0"/>
-              <a:t>As discussed, this project successfully extracts relations in unstructured data using Semantic Web technologies. </a:t>
+              <a:t>As discussed, this project successfully extracts relations in unstructured data using </a:t>
+            </a:r>
+            <a:r>
+              <a:rPr lang="en-US" sz="2400" dirty="0" smtClean="0"/>
+              <a:t>Natural Language Processing techniques and represents them as structured, semantic data</a:t>
+            </a:r>
+            <a:r>
+              <a:rPr lang="en-US" sz="2400" dirty="0" smtClean="0"/>
+              <a:t>. </a:t>
             </a:r>
             <a:endParaRPr lang="en-US" sz="2400" dirty="0" smtClean="0"/>
           </a:p>
@@ -6776,7 +6807,19 @@
             </a:r>
             <a:r>
               <a:rPr lang="en-US" sz="2400" dirty="0"/>
-              <a:t>shown in the figures, these relations in the data and successfully displayed on a website for the user to derive meaningful information from.</a:t>
+              <a:t>shown in the figures, these relations in the data </a:t>
+            </a:r>
+            <a:r>
+              <a:rPr lang="en-US" sz="2400" dirty="0" smtClean="0"/>
+              <a:t>are</a:t>
+            </a:r>
+            <a:r>
+              <a:rPr lang="en-US" sz="2400" dirty="0" smtClean="0"/>
+              <a:t> </a:t>
+            </a:r>
+            <a:r>
+              <a:rPr lang="en-US" sz="2400" dirty="0"/>
+              <a:t>successfully displayed on a website for the user to derive meaningful information from.</a:t>
             </a:r>
           </a:p>
           <a:p>
@@ -6799,11 +6842,19 @@
             </a:r>
             <a:r>
               <a:rPr lang="en-US" sz="2400" dirty="0" smtClean="0"/>
+              <a:t>data was showcased, </a:t>
+            </a:r>
+            <a:r>
+              <a:rPr lang="en-US" sz="2400" dirty="0"/>
+              <a:t>the project can be scaled to much larger size of </a:t>
+            </a:r>
+            <a:r>
+              <a:rPr lang="en-US" sz="2400" dirty="0" smtClean="0"/>
               <a:t>data, </a:t>
             </a:r>
             <a:r>
               <a:rPr lang="en-US" sz="2400" dirty="0"/>
-              <a:t>the project can be scaled to much larger size of data and can present to the user a much wider expanse of entities to search and derive structured information about.</a:t>
+              <a:t>and can present to the user a much wider expanse of entities to search and derive structured information about.</a:t>
             </a:r>
           </a:p>
           <a:p>
@@ -6858,7 +6909,7 @@
           <a:p>
             <a:r>
               <a:rPr lang="en-US" b="1" dirty="0" smtClean="0"/>
-              <a:t>Table of Contents</a:t>
+              <a:t>Contents</a:t>
             </a:r>
             <a:endParaRPr lang="en-US" b="1" dirty="0"/>
           </a:p>
@@ -6994,28 +7045,101 @@
           </a:xfrm>
         </p:spPr>
         <p:txBody>
-          <a:bodyPr/>
+          <a:bodyPr>
+            <a:normAutofit/>
+          </a:bodyPr>
           <a:lstStyle/>
           <a:p>
             <a:pPr algn="just"/>
             <a:r>
               <a:rPr lang="en-US" sz="2800" dirty="0"/>
-              <a:t>This project is about relation extraction from unstructured business data using semantic web technologies</a:t>
+              <a:t>This project is about relation extraction </a:t>
+            </a:r>
+            <a:r>
+              <a:rPr lang="en-US" sz="2800" dirty="0" smtClean="0"/>
+              <a:t>on people and organizations from unstructured </a:t>
+            </a:r>
+            <a:r>
+              <a:rPr lang="en-US" sz="2800" dirty="0" smtClean="0"/>
+              <a:t>web pages</a:t>
             </a:r>
             <a:r>
               <a:rPr lang="en-US" sz="2800" dirty="0" smtClean="0"/>
               <a:t>.</a:t>
             </a:r>
-          </a:p>
-          <a:p>
-            <a:pPr algn="just"/>
+            <a:endParaRPr lang="en-US" sz="2800" dirty="0" smtClean="0"/>
+          </a:p>
+          <a:p>
+            <a:r>
+              <a:rPr lang="en-US" sz="2800" dirty="0" smtClean="0"/>
+              <a:t>It </a:t>
+            </a:r>
+            <a:r>
+              <a:rPr lang="en-US" sz="2800" dirty="0"/>
+              <a:t>aims to </a:t>
+            </a:r>
+            <a:r>
+              <a:rPr lang="en-US" sz="2800" dirty="0" smtClean="0"/>
+              <a:t>fetch</a:t>
+            </a:r>
             <a:r>
               <a:rPr lang="en-US" sz="2800" dirty="0" smtClean="0"/>
               <a:t> </a:t>
             </a:r>
             <a:r>
               <a:rPr lang="en-US" sz="2800" dirty="0"/>
-              <a:t>It aims to derive unstructured data from the web and process content in the data to find entities and relationships</a:t>
+              <a:t>unstructured data from the web and process </a:t>
+            </a:r>
+            <a:r>
+              <a:rPr lang="en-US" sz="2800" dirty="0" smtClean="0"/>
+              <a:t>content to </a:t>
+            </a:r>
+            <a:r>
+              <a:rPr lang="en-US" sz="2800" dirty="0"/>
+              <a:t>find entities and </a:t>
+            </a:r>
+            <a:r>
+              <a:rPr lang="en-US" sz="2800" dirty="0" smtClean="0"/>
+              <a:t>relationships between them.</a:t>
+            </a:r>
+            <a:br>
+              <a:rPr lang="en-US" sz="2800" dirty="0" smtClean="0"/>
+            </a:br>
+            <a:r>
+              <a:rPr lang="en-US" b="1" dirty="0" smtClean="0"/>
+              <a:t>Supported relationships</a:t>
+            </a:r>
+            <a:r>
+              <a:rPr lang="en-US" dirty="0" smtClean="0"/>
+              <a:t>: People, Organizations, Locations, Dates, Financial values </a:t>
+            </a:r>
+            <a:endParaRPr lang="en-US" sz="2800" dirty="0" smtClean="0"/>
+          </a:p>
+          <a:p>
+            <a:pPr algn="just"/>
+            <a:r>
+              <a:rPr lang="en-US" sz="2800" dirty="0" smtClean="0"/>
+              <a:t>These extracted entities </a:t>
+            </a:r>
+            <a:r>
+              <a:rPr lang="en-US" sz="2800" dirty="0"/>
+              <a:t>and relationships, </a:t>
+            </a:r>
+            <a:r>
+              <a:rPr lang="en-US" sz="2800" dirty="0" smtClean="0"/>
+              <a:t>are modelled </a:t>
+            </a:r>
+            <a:r>
+              <a:rPr lang="en-US" sz="2800" dirty="0"/>
+              <a:t>by a semantic ontology, </a:t>
+            </a:r>
+            <a:r>
+              <a:rPr lang="en-US" sz="2800" dirty="0" smtClean="0"/>
+              <a:t>and organized in </a:t>
+            </a:r>
+            <a:r>
+              <a:rPr lang="en-US" sz="2800" dirty="0"/>
+              <a:t>a structured format</a:t>
             </a:r>
             <a:r>
               <a:rPr lang="en-US" sz="2800" dirty="0" smtClean="0"/>
@@ -7025,19 +7149,16 @@
           <a:p>
             <a:pPr algn="just"/>
             <a:r>
+              <a:rPr lang="en-US" sz="2800" dirty="0" smtClean="0"/>
+              <a:t>A website has been developed</a:t>
+            </a:r>
+            <a:r>
+              <a:rPr lang="en-US" sz="2800" dirty="0" smtClean="0"/>
+              <a:t>, </a:t>
+            </a:r>
+            <a:r>
               <a:rPr lang="en-US" sz="2800" dirty="0"/>
-              <a:t>These entities and relationships, modelled by a semantic ontology, organizes the content in the data to a structured format</a:t>
-            </a:r>
-            <a:r>
-              <a:rPr lang="en-US" sz="2800" dirty="0" smtClean="0"/>
-              <a:t>.</a:t>
-            </a:r>
-          </a:p>
-          <a:p>
-            <a:pPr algn="just"/>
-            <a:r>
-              <a:rPr lang="en-US" sz="2800" dirty="0"/>
-              <a:t>The results are then displayed on to a website, where the user can search for different entities and obtain relationships and linked information about that entity.</a:t>
+              <a:t>where the user can search for different entities and obtain relationships and linked information about that entity.</a:t>
             </a:r>
           </a:p>
           <a:p>
@@ -7099,7 +7220,6 @@
               <a:rPr lang="en-US" b="1" dirty="0"/>
               <a:t>Target Audience</a:t>
             </a:r>
-            <a:endParaRPr lang="en-US" b="1" dirty="0"/>
           </a:p>
         </p:txBody>
       </p:sp>
@@ -7130,7 +7250,27 @@
             </a:r>
             <a:r>
               <a:rPr lang="en-US" sz="2800" dirty="0"/>
-              <a:t>– As a relation between entities and the money is developed, the structured data can be used to answer queries based to money involved with a person or an organization</a:t>
+              <a:t>– As a relation between entities and </a:t>
+            </a:r>
+            <a:r>
+              <a:rPr lang="en-US" sz="2800" dirty="0" smtClean="0"/>
+              <a:t>financial values </a:t>
+            </a:r>
+            <a:r>
+              <a:rPr lang="en-US" sz="2800" dirty="0"/>
+              <a:t>is developed, the structured data can be used to answer queries based </a:t>
+            </a:r>
+            <a:r>
+              <a:rPr lang="en-US" sz="2800" dirty="0" smtClean="0"/>
+              <a:t>on</a:t>
+            </a:r>
+            <a:r>
+              <a:rPr lang="en-US" sz="2800" dirty="0" smtClean="0"/>
+              <a:t> financial values related to </a:t>
+            </a:r>
+            <a:r>
+              <a:rPr lang="en-US" sz="2800" dirty="0"/>
+              <a:t>a person or an organization</a:t>
             </a:r>
           </a:p>
           <a:p>
@@ -7141,7 +7281,15 @@
             </a:r>
             <a:r>
               <a:rPr lang="en-US" sz="2800" dirty="0"/>
-              <a:t>– This structured data can be queried to obtain statistics around a region, person, organization or location</a:t>
+              <a:t>– This structured data can be queried to obtain statistics </a:t>
+            </a:r>
+            <a:r>
+              <a:rPr lang="en-US" sz="2800" dirty="0" smtClean="0"/>
+              <a:t>about </a:t>
+            </a:r>
+            <a:r>
+              <a:rPr lang="en-US" sz="2800" dirty="0"/>
+              <a:t>a region, person, organization or location</a:t>
             </a:r>
           </a:p>
           <a:p>
@@ -7152,8 +7300,57 @@
             </a:r>
             <a:r>
               <a:rPr lang="en-US" sz="2800" dirty="0"/>
-              <a:t>– A random web user can browse this website instead of browsing the web to find unstructured information, and find relationships and linked information about a person or an organization in one place.</a:t>
-            </a:r>
+              <a:t>– A random web user can browse this </a:t>
+            </a:r>
+            <a:r>
+              <a:rPr lang="en-US" sz="2800" dirty="0" smtClean="0"/>
+              <a:t>website </a:t>
+            </a:r>
+            <a:r>
+              <a:rPr lang="en-US" sz="2800" dirty="0"/>
+              <a:t>to find </a:t>
+            </a:r>
+            <a:r>
+              <a:rPr lang="en-US" sz="2800" dirty="0" smtClean="0"/>
+              <a:t>structured information</a:t>
+            </a:r>
+            <a:r>
+              <a:rPr lang="en-US" sz="2800" dirty="0"/>
+              <a:t> </a:t>
+            </a:r>
+            <a:r>
+              <a:rPr lang="en-US" sz="2800" dirty="0" smtClean="0"/>
+              <a:t>–</a:t>
+            </a:r>
+            <a:r>
+              <a:rPr lang="en-US" sz="2800" dirty="0" smtClean="0"/>
+              <a:t> relationships </a:t>
+            </a:r>
+            <a:r>
+              <a:rPr lang="en-US" sz="2800" dirty="0"/>
+              <a:t>and linked information about a person or an organization </a:t>
+            </a:r>
+            <a:r>
+              <a:rPr lang="en-US" sz="2800" dirty="0" smtClean="0"/>
+              <a:t>– in </a:t>
+            </a:r>
+            <a:r>
+              <a:rPr lang="en-US" sz="2800" dirty="0"/>
+              <a:t>one </a:t>
+            </a:r>
+            <a:r>
+              <a:rPr lang="en-US" sz="2800" dirty="0" smtClean="0"/>
+              <a:t>place, though the </a:t>
+            </a:r>
+            <a:r>
+              <a:rPr lang="en-US" sz="2800" dirty="0" smtClean="0"/>
+              <a:t>data could be from various sources</a:t>
+            </a:r>
+            <a:r>
+              <a:rPr lang="en-US" sz="2800" dirty="0" smtClean="0"/>
+              <a:t>.</a:t>
+            </a:r>
+            <a:endParaRPr lang="en-US" sz="2800" dirty="0"/>
           </a:p>
           <a:p>
             <a:endParaRPr lang="en-US" dirty="0"/>
@@ -7214,7 +7411,6 @@
               <a:rPr lang="en-US" b="1" dirty="0"/>
               <a:t>Description of data sources</a:t>
             </a:r>
-            <a:endParaRPr lang="en-US" b="1" dirty="0"/>
           </a:p>
         </p:txBody>
       </p:sp>
@@ -7264,64 +7460,44 @@
           <a:p>
             <a:pPr lvl="0" algn="just"/>
             <a:r>
+              <a:rPr lang="en-US" sz="2800" dirty="0" smtClean="0"/>
+              <a:t>The ideal webpages </a:t>
+            </a:r>
+            <a:r>
               <a:rPr lang="en-US" sz="2800" dirty="0"/>
-              <a:t>Data will be about people, organizations, locations and related financial information</a:t>
+              <a:t>will be about people, organizations, locations and related financial </a:t>
+            </a:r>
+            <a:r>
+              <a:rPr lang="en-US" sz="2800" dirty="0" smtClean="0"/>
+              <a:t>information. For example, news articles, wiki pages, etc.</a:t>
             </a:r>
             <a:endParaRPr lang="en-US" sz="1800" dirty="0"/>
           </a:p>
           <a:p>
             <a:pPr lvl="0" algn="just"/>
             <a:r>
+              <a:rPr lang="en-US" sz="2800" dirty="0" smtClean="0"/>
+              <a:t>The sample data </a:t>
+            </a:r>
+            <a:r>
+              <a:rPr lang="en-US" sz="2800" dirty="0" smtClean="0"/>
+              <a:t>used for this presentation is small</a:t>
+            </a:r>
+            <a:r>
+              <a:rPr lang="en-US" sz="2800" dirty="0" smtClean="0"/>
+              <a:t>, however the techniques used are easily scalable </a:t>
+            </a:r>
+          </a:p>
+          <a:p>
+            <a:pPr lvl="0" algn="just"/>
+            <a:r>
+              <a:rPr lang="en-US" sz="2800" dirty="0" smtClean="0"/>
+              <a:t>Data </a:t>
+            </a:r>
+            <a:r>
               <a:rPr lang="en-US" sz="2800" dirty="0"/>
-              <a:t>Initially we took a small sample of test data, and then scaled out. For this report, the sources used are:-</a:t>
-            </a:r>
-            <a:endParaRPr lang="en-US" sz="1800" dirty="0"/>
-          </a:p>
-          <a:p>
-            <a:pPr lvl="1" algn="just"/>
-            <a:r>
-              <a:rPr lang="en-US" sz="2400" u="sng" dirty="0">
-                <a:hlinkClick r:id="rId2"/>
-              </a:rPr>
-              <a:t>https://en.wikipedia.org/wiki/Bill_Gates</a:t>
-            </a:r>
-            <a:r>
-              <a:rPr lang="en-US" sz="2400" dirty="0"/>
-              <a:t> </a:t>
-            </a:r>
-            <a:endParaRPr lang="en-US" sz="1600" dirty="0"/>
-          </a:p>
-          <a:p>
-            <a:pPr lvl="1" algn="just"/>
-            <a:r>
-              <a:rPr lang="en-US" sz="2400" u="sng" dirty="0">
-                <a:hlinkClick r:id="rId3"/>
-              </a:rPr>
-              <a:t>http://www.biography.com/people/bill-gates-9307520</a:t>
-            </a:r>
-            <a:endParaRPr lang="en-US" sz="1600" dirty="0"/>
-          </a:p>
-          <a:p>
-            <a:pPr lvl="1" algn="just"/>
-            <a:r>
-              <a:rPr lang="en-US" sz="2400" u="sng" dirty="0">
-                <a:hlinkClick r:id="rId4"/>
-              </a:rPr>
-              <a:t>http://www.bloomberg.com/news/articles/2015-11-22/bill-gates-hopeful-china-will-amend-laws-to-boost-philanthropy</a:t>
-            </a:r>
-            <a:r>
-              <a:rPr lang="en-US" sz="2400" dirty="0"/>
-              <a:t> </a:t>
-            </a:r>
-            <a:endParaRPr lang="en-US" sz="1600" dirty="0"/>
-          </a:p>
-          <a:p>
-            <a:pPr algn="just"/>
-            <a:r>
-              <a:rPr lang="en-US" sz="2800" dirty="0"/>
-              <a:t>Data is available publicly on the internet</a:t>
-            </a:r>
-            <a:endParaRPr lang="en-US" sz="2800" dirty="0"/>
+              <a:t>is available publicly on the internet</a:t>
+            </a:r>
           </a:p>
         </p:txBody>
       </p:sp>
@@ -7515,7 +7691,15 @@
             <a:pPr lvl="0" algn="just"/>
             <a:r>
               <a:rPr lang="en-US" sz="2400" dirty="0"/>
-              <a:t>Firstly, a set of documents and content is stored in Apache </a:t>
+              <a:t>Firstly, a set of </a:t>
+            </a:r>
+            <a:r>
+              <a:rPr lang="en-US" sz="2400" dirty="0" smtClean="0"/>
+              <a:t>documents </a:t>
+            </a:r>
+            <a:r>
+              <a:rPr lang="en-US" sz="2400" dirty="0"/>
+              <a:t>is stored in Apache </a:t>
             </a:r>
             <a:r>
               <a:rPr lang="en-US" sz="2400" dirty="0" err="1"/>
@@ -7543,22 +7727,69 @@
             </a:r>
             <a:r>
               <a:rPr lang="en-US" sz="2400" dirty="0"/>
-              <a:t> API to tag the data with various properties</a:t>
-            </a:r>
+              <a:t> API </a:t>
+            </a:r>
+            <a:r>
+              <a:rPr lang="en-US" sz="2400" dirty="0" smtClean="0"/>
+              <a:t>to perform Named Entity Tagging on </a:t>
+            </a:r>
+            <a:r>
+              <a:rPr lang="en-US" sz="2400" dirty="0"/>
+              <a:t>the </a:t>
+            </a:r>
+            <a:r>
+              <a:rPr lang="en-US" sz="2400" dirty="0" smtClean="0"/>
+              <a:t>data, and relationships between the tagged entities are established</a:t>
+            </a:r>
+            <a:endParaRPr lang="en-US" sz="2400" dirty="0"/>
           </a:p>
           <a:p>
             <a:pPr lvl="0" algn="just"/>
             <a:r>
+              <a:rPr lang="en-US" sz="2400" dirty="0" smtClean="0"/>
+              <a:t>This relationship data is </a:t>
+            </a:r>
+            <a:r>
               <a:rPr lang="en-US" sz="2400" dirty="0"/>
-              <a:t>The entity tags and related data are then fed into Apache Jena, which reads the custom ontology in Figure 1 above as RDF/XML, and transforms the data tagged with entities into structured data stored a RDF and N-triples files</a:t>
-            </a:r>
+              <a:t>then fed into Apache Jena, which reads the custom </a:t>
+            </a:r>
+            <a:r>
+              <a:rPr lang="en-US" sz="2400" dirty="0" smtClean="0"/>
+              <a:t>ontology </a:t>
+            </a:r>
+            <a:r>
+              <a:rPr lang="en-US" sz="2400" dirty="0"/>
+              <a:t>in Figure 1 </a:t>
+            </a:r>
+            <a:r>
+              <a:rPr lang="en-US" sz="2400" dirty="0"/>
+              <a:t>above (in RDF/XML format), </a:t>
+            </a:r>
+            <a:r>
+              <a:rPr lang="en-US" sz="2400" dirty="0"/>
+              <a:t>and transforms the data </a:t>
+            </a:r>
+            <a:r>
+              <a:rPr lang="en-US" sz="2400" dirty="0" smtClean="0"/>
+              <a:t>into RDF/XML and N-Triples</a:t>
+            </a:r>
+            <a:endParaRPr lang="en-US" sz="2400" dirty="0"/>
           </a:p>
           <a:p>
             <a:pPr lvl="0" algn="just"/>
             <a:r>
+              <a:rPr lang="en-US" sz="2400" dirty="0" smtClean="0"/>
+              <a:t>The resulting data store can be queried by the user using </a:t>
+            </a:r>
+            <a:r>
               <a:rPr lang="en-US" sz="2400" dirty="0"/>
-              <a:t>These files are then read into a website and the results are displayed to the user</a:t>
-            </a:r>
+              <a:t>a </a:t>
+            </a:r>
+            <a:r>
+              <a:rPr lang="en-US" sz="2400" dirty="0" smtClean="0"/>
+              <a:t>website</a:t>
+            </a:r>
+            <a:endParaRPr lang="en-US" sz="2400" dirty="0"/>
           </a:p>
           <a:p>
             <a:pPr algn="just"/>
@@ -7652,7 +7883,7 @@
         </p:spPr>
         <p:txBody>
           <a:bodyPr>
-            <a:normAutofit lnSpcReduction="10000"/>
+            <a:normAutofit/>
           </a:bodyPr>
           <a:lstStyle/>
           <a:p>
@@ -7691,8 +7922,45 @@
             </a:pPr>
             <a:r>
               <a:rPr lang="en-US" sz="2800" dirty="0"/>
-              <a:t>These results are interesting because scope of this project can help marketing teams make better sales/business decision based on extracted relationships and structures data visualizations. Even casual users might benefit by gather general knowledge from this data about companies and famous personalities.</a:t>
-            </a:r>
+              <a:t>These results are interesting because </a:t>
+            </a:r>
+            <a:r>
+              <a:rPr lang="en-US" sz="2800" dirty="0" smtClean="0"/>
+              <a:t>they </a:t>
+            </a:r>
+            <a:r>
+              <a:rPr lang="en-US" sz="2800" dirty="0"/>
+              <a:t>can help </a:t>
+            </a:r>
+            <a:r>
+              <a:rPr lang="en-US" sz="2800" dirty="0" smtClean="0"/>
+              <a:t>financial/marketing analysts </a:t>
+            </a:r>
+            <a:r>
+              <a:rPr lang="en-US" sz="2800" dirty="0"/>
+              <a:t>make better sales/business </a:t>
+            </a:r>
+            <a:r>
+              <a:rPr lang="en-US" sz="2800" dirty="0" smtClean="0"/>
+              <a:t>decisions </a:t>
+            </a:r>
+            <a:r>
+              <a:rPr lang="en-US" sz="2800" dirty="0"/>
+              <a:t>based on extracted relationships and structures data visualizations. Even casual users might benefit by </a:t>
+            </a:r>
+            <a:r>
+              <a:rPr lang="en-US" sz="2800" dirty="0" smtClean="0"/>
+              <a:t>gathering </a:t>
+            </a:r>
+            <a:r>
+              <a:rPr lang="en-US" sz="2800" dirty="0"/>
+              <a:t>general knowledge from this </a:t>
+            </a:r>
+            <a:r>
+              <a:rPr lang="en-US" sz="2800" dirty="0" smtClean="0"/>
+              <a:t>data.</a:t>
+            </a:r>
+            <a:endParaRPr lang="en-US" sz="2800" dirty="0"/>
           </a:p>
           <a:p>
             <a:pPr marL="0" indent="0">
@@ -7764,7 +8032,6 @@
               <a:rPr lang="en-US" b="1" dirty="0"/>
               <a:t>visualization graph </a:t>
             </a:r>
-            <a:endParaRPr lang="en-US" b="1" dirty="0"/>
           </a:p>
         </p:txBody>
       </p:sp>
